--- a/elk.pptx
+++ b/elk.pptx
@@ -7,6 +7,10 @@
   <p:sldIdLst>
     <p:sldId id="256" r:id="rId3"/>
     <p:sldId id="257" r:id="rId4"/>
+    <p:sldId id="258" r:id="rId5"/>
+    <p:sldId id="259" r:id="rId6"/>
+    <p:sldId id="260" r:id="rId7"/>
+    <p:sldId id="261" r:id="rId8"/>
   </p:sldIdLst>
   <p:sldSz cx="12192000" cy="6858000"/>
   <p:notesSz cx="6858000" cy="9144000"/>
@@ -3054,15 +3058,7 @@
                   <a:schemeClr val="tx1"/>
                 </a:solidFill>
               </a:rPr>
-              <a:t>安装elasticsearch 就不用说了 给个单机安装地址 </a:t>
-            </a:r>
-            <a:r>
-              <a:rPr lang="zh-CN" altLang="en-US" sz="1600">
-                <a:solidFill>
-                  <a:schemeClr val="tx1"/>
-                </a:solidFill>
-              </a:rPr>
-              <a:t>https://blog.csdn.net/yelllowcong/article/details/78732892</a:t>
+              <a:t>安装elasticsearch 就不用说了 给个单机安装地址 https://blog.csdn.net/yelllowcong/article/details/78732892</a:t>
             </a:r>
             <a:endParaRPr lang="zh-CN" altLang="en-US" sz="1600">
               <a:solidFill>
@@ -3128,6 +3124,445 @@
           <a:xfrm>
             <a:off x="965200" y="2162810"/>
             <a:ext cx="6591300" cy="3438525"/>
+          </a:xfrm>
+          <a:prstGeom prst="rect">
+            <a:avLst/>
+          </a:prstGeom>
+        </p:spPr>
+      </p:pic>
+    </p:spTree>
+  </p:cSld>
+  <p:clrMapOvr>
+    <a:masterClrMapping/>
+  </p:clrMapOvr>
+</p:sld>
+</file>
+
+<file path=ppt/slides/slide3.xml><?xml version="1.0" encoding="utf-8"?>
+<p:sld xmlns:a="http://schemas.openxmlformats.org/drawingml/2006/main" xmlns:r="http://schemas.openxmlformats.org/officeDocument/2006/relationships" xmlns:p="http://schemas.openxmlformats.org/presentationml/2006/main">
+  <p:cSld>
+    <p:spTree>
+      <p:nvGrpSpPr>
+        <p:cNvPr id="1" name=""/>
+        <p:cNvGrpSpPr/>
+        <p:nvPr/>
+      </p:nvGrpSpPr>
+      <p:grpSpPr/>
+      <p:sp>
+        <p:nvSpPr>
+          <p:cNvPr id="4" name="文本占位符 3"/>
+          <p:cNvSpPr>
+            <a:spLocks noGrp="1"/>
+          </p:cNvSpPr>
+          <p:nvPr>
+            <p:ph type="body" idx="1"/>
+          </p:nvPr>
+        </p:nvSpPr>
+        <p:spPr>
+          <a:xfrm>
+            <a:off x="831850" y="589915"/>
+            <a:ext cx="10515600" cy="5499735"/>
+          </a:xfrm>
+        </p:spPr>
+        <p:txBody>
+          <a:bodyPr/>
+          <a:p>
+            <a:pPr algn="l"/>
+            <a:r>
+              <a:rPr lang="zh-CN" altLang="en-US" sz="1600">
+                <a:solidFill>
+                  <a:schemeClr val="tx1"/>
+                </a:solidFill>
+              </a:rPr>
+              <a:t>composer require yiisoft/yii2-elasticsearch</a:t>
+            </a:r>
+            <a:endParaRPr lang="zh-CN" altLang="en-US" sz="1600">
+              <a:solidFill>
+                <a:schemeClr val="tx1"/>
+              </a:solidFill>
+            </a:endParaRPr>
+          </a:p>
+          <a:p>
+            <a:pPr algn="l"/>
+            <a:endParaRPr lang="zh-CN" altLang="en-US" sz="1600">
+              <a:solidFill>
+                <a:schemeClr val="tx1"/>
+              </a:solidFill>
+            </a:endParaRPr>
+          </a:p>
+        </p:txBody>
+      </p:sp>
+      <p:pic>
+        <p:nvPicPr>
+          <p:cNvPr id="8" name="图片 7"/>
+          <p:cNvPicPr>
+            <a:picLocks noChangeAspect="1"/>
+          </p:cNvPicPr>
+          <p:nvPr/>
+        </p:nvPicPr>
+        <p:blipFill>
+          <a:blip r:embed="rId1"/>
+          <a:stretch>
+            <a:fillRect/>
+          </a:stretch>
+        </p:blipFill>
+        <p:spPr>
+          <a:xfrm>
+            <a:off x="920750" y="1110615"/>
+            <a:ext cx="9525635" cy="5279390"/>
+          </a:xfrm>
+          <a:prstGeom prst="rect">
+            <a:avLst/>
+          </a:prstGeom>
+        </p:spPr>
+      </p:pic>
+    </p:spTree>
+  </p:cSld>
+  <p:clrMapOvr>
+    <a:masterClrMapping/>
+  </p:clrMapOvr>
+</p:sld>
+</file>
+
+<file path=ppt/slides/slide4.xml><?xml version="1.0" encoding="utf-8"?>
+<p:sld xmlns:a="http://schemas.openxmlformats.org/drawingml/2006/main" xmlns:r="http://schemas.openxmlformats.org/officeDocument/2006/relationships" xmlns:p="http://schemas.openxmlformats.org/presentationml/2006/main">
+  <p:cSld>
+    <p:spTree>
+      <p:nvGrpSpPr>
+        <p:cNvPr id="1" name=""/>
+        <p:cNvGrpSpPr/>
+        <p:nvPr/>
+      </p:nvGrpSpPr>
+      <p:grpSpPr/>
+      <p:sp>
+        <p:nvSpPr>
+          <p:cNvPr id="4" name="文本占位符 3"/>
+          <p:cNvSpPr>
+            <a:spLocks noGrp="1"/>
+          </p:cNvSpPr>
+          <p:nvPr/>
+        </p:nvSpPr>
+        <p:spPr>
+          <a:xfrm>
+            <a:off x="831850" y="589915"/>
+            <a:ext cx="10515600" cy="5499735"/>
+          </a:xfrm>
+          <a:prstGeom prst="rect">
+            <a:avLst/>
+          </a:prstGeom>
+        </p:spPr>
+        <p:txBody>
+          <a:bodyPr vert="horz" lIns="91440" tIns="45720" rIns="91440" bIns="45720" rtlCol="0">
+            <a:normAutofit/>
+          </a:bodyPr>
+          <a:lstStyle>
+            <a:lvl1pPr marL="0" indent="0" algn="ctr" defTabSz="914400" rtl="0" eaLnBrk="1" latinLnBrk="0" hangingPunct="1">
+              <a:lnSpc>
+                <a:spcPct val="90000"/>
+              </a:lnSpc>
+              <a:spcBef>
+                <a:spcPts val="1000"/>
+              </a:spcBef>
+              <a:buFont typeface="Arial" panose="020B0604020202020204" pitchFamily="34" charset="0"/>
+              <a:buNone/>
+              <a:defRPr sz="2400" kern="1200">
+                <a:solidFill>
+                  <a:schemeClr val="tx1"/>
+                </a:solidFill>
+                <a:latin typeface="+mn-lt"/>
+                <a:ea typeface="+mn-ea"/>
+                <a:cs typeface="+mn-cs"/>
+              </a:defRPr>
+            </a:lvl1pPr>
+            <a:lvl2pPr marL="457200" indent="0" algn="ctr" defTabSz="914400" rtl="0" eaLnBrk="1" latinLnBrk="0" hangingPunct="1">
+              <a:lnSpc>
+                <a:spcPct val="90000"/>
+              </a:lnSpc>
+              <a:spcBef>
+                <a:spcPts val="500"/>
+              </a:spcBef>
+              <a:buFont typeface="Arial" panose="020B0604020202020204" pitchFamily="34" charset="0"/>
+              <a:buNone/>
+              <a:defRPr sz="2000" kern="1200">
+                <a:solidFill>
+                  <a:schemeClr val="tx1"/>
+                </a:solidFill>
+                <a:latin typeface="+mn-lt"/>
+                <a:ea typeface="+mn-ea"/>
+                <a:cs typeface="+mn-cs"/>
+              </a:defRPr>
+            </a:lvl2pPr>
+            <a:lvl3pPr marL="914400" indent="0" algn="ctr" defTabSz="914400" rtl="0" eaLnBrk="1" latinLnBrk="0" hangingPunct="1">
+              <a:lnSpc>
+                <a:spcPct val="90000"/>
+              </a:lnSpc>
+              <a:spcBef>
+                <a:spcPts val="500"/>
+              </a:spcBef>
+              <a:buFont typeface="Arial" panose="020B0604020202020204" pitchFamily="34" charset="0"/>
+              <a:buNone/>
+              <a:defRPr sz="1800" kern="1200">
+                <a:solidFill>
+                  <a:schemeClr val="tx1"/>
+                </a:solidFill>
+                <a:latin typeface="+mn-lt"/>
+                <a:ea typeface="+mn-ea"/>
+                <a:cs typeface="+mn-cs"/>
+              </a:defRPr>
+            </a:lvl3pPr>
+            <a:lvl4pPr marL="1371600" indent="0" algn="ctr" defTabSz="914400" rtl="0" eaLnBrk="1" latinLnBrk="0" hangingPunct="1">
+              <a:lnSpc>
+                <a:spcPct val="90000"/>
+              </a:lnSpc>
+              <a:spcBef>
+                <a:spcPts val="500"/>
+              </a:spcBef>
+              <a:buFont typeface="Arial" panose="020B0604020202020204" pitchFamily="34" charset="0"/>
+              <a:buNone/>
+              <a:defRPr sz="1600" kern="1200">
+                <a:solidFill>
+                  <a:schemeClr val="tx1"/>
+                </a:solidFill>
+                <a:latin typeface="+mn-lt"/>
+                <a:ea typeface="+mn-ea"/>
+                <a:cs typeface="+mn-cs"/>
+              </a:defRPr>
+            </a:lvl4pPr>
+            <a:lvl5pPr marL="1828800" indent="0" algn="ctr" defTabSz="914400" rtl="0" eaLnBrk="1" latinLnBrk="0" hangingPunct="1">
+              <a:lnSpc>
+                <a:spcPct val="90000"/>
+              </a:lnSpc>
+              <a:spcBef>
+                <a:spcPts val="500"/>
+              </a:spcBef>
+              <a:buFont typeface="Arial" panose="020B0604020202020204" pitchFamily="34" charset="0"/>
+              <a:buNone/>
+              <a:defRPr sz="1600" kern="1200">
+                <a:solidFill>
+                  <a:schemeClr val="tx1"/>
+                </a:solidFill>
+                <a:latin typeface="+mn-lt"/>
+                <a:ea typeface="+mn-ea"/>
+                <a:cs typeface="+mn-cs"/>
+              </a:defRPr>
+            </a:lvl5pPr>
+            <a:lvl6pPr marL="2286000" indent="0" algn="ctr" defTabSz="914400" rtl="0" eaLnBrk="1" latinLnBrk="0" hangingPunct="1">
+              <a:lnSpc>
+                <a:spcPct val="90000"/>
+              </a:lnSpc>
+              <a:spcBef>
+                <a:spcPts val="500"/>
+              </a:spcBef>
+              <a:buFont typeface="Arial" panose="020B0604020202020204" pitchFamily="34" charset="0"/>
+              <a:buNone/>
+              <a:defRPr sz="1600" kern="1200">
+                <a:solidFill>
+                  <a:schemeClr val="tx1"/>
+                </a:solidFill>
+                <a:latin typeface="+mn-lt"/>
+                <a:ea typeface="+mn-ea"/>
+                <a:cs typeface="+mn-cs"/>
+              </a:defRPr>
+            </a:lvl6pPr>
+            <a:lvl7pPr marL="2743200" indent="0" algn="ctr" defTabSz="914400" rtl="0" eaLnBrk="1" latinLnBrk="0" hangingPunct="1">
+              <a:lnSpc>
+                <a:spcPct val="90000"/>
+              </a:lnSpc>
+              <a:spcBef>
+                <a:spcPts val="500"/>
+              </a:spcBef>
+              <a:buFont typeface="Arial" panose="020B0604020202020204" pitchFamily="34" charset="0"/>
+              <a:buNone/>
+              <a:defRPr sz="1600" kern="1200">
+                <a:solidFill>
+                  <a:schemeClr val="tx1"/>
+                </a:solidFill>
+                <a:latin typeface="+mn-lt"/>
+                <a:ea typeface="+mn-ea"/>
+                <a:cs typeface="+mn-cs"/>
+              </a:defRPr>
+            </a:lvl7pPr>
+            <a:lvl8pPr marL="3200400" indent="0" algn="ctr" defTabSz="914400" rtl="0" eaLnBrk="1" latinLnBrk="0" hangingPunct="1">
+              <a:lnSpc>
+                <a:spcPct val="90000"/>
+              </a:lnSpc>
+              <a:spcBef>
+                <a:spcPts val="500"/>
+              </a:spcBef>
+              <a:buFont typeface="Arial" panose="020B0604020202020204" pitchFamily="34" charset="0"/>
+              <a:buNone/>
+              <a:defRPr sz="1600" kern="1200">
+                <a:solidFill>
+                  <a:schemeClr val="tx1"/>
+                </a:solidFill>
+                <a:latin typeface="+mn-lt"/>
+                <a:ea typeface="+mn-ea"/>
+                <a:cs typeface="+mn-cs"/>
+              </a:defRPr>
+            </a:lvl8pPr>
+            <a:lvl9pPr marL="3657600" indent="0" algn="ctr" defTabSz="914400" rtl="0" eaLnBrk="1" latinLnBrk="0" hangingPunct="1">
+              <a:lnSpc>
+                <a:spcPct val="90000"/>
+              </a:lnSpc>
+              <a:spcBef>
+                <a:spcPts val="500"/>
+              </a:spcBef>
+              <a:buFont typeface="Arial" panose="020B0604020202020204" pitchFamily="34" charset="0"/>
+              <a:buNone/>
+              <a:defRPr sz="1600" kern="1200">
+                <a:solidFill>
+                  <a:schemeClr val="tx1"/>
+                </a:solidFill>
+                <a:latin typeface="+mn-lt"/>
+                <a:ea typeface="+mn-ea"/>
+                <a:cs typeface="+mn-cs"/>
+              </a:defRPr>
+            </a:lvl9pPr>
+          </a:lstStyle>
+          <a:p>
+            <a:pPr algn="l"/>
+            <a:endParaRPr lang="zh-CN" altLang="en-US" sz="1600">
+              <a:solidFill>
+                <a:schemeClr val="tx1"/>
+              </a:solidFill>
+            </a:endParaRPr>
+          </a:p>
+          <a:p>
+            <a:pPr algn="l"/>
+            <a:endParaRPr lang="zh-CN" altLang="en-US" sz="1600">
+              <a:solidFill>
+                <a:schemeClr val="tx1"/>
+              </a:solidFill>
+            </a:endParaRPr>
+          </a:p>
+        </p:txBody>
+      </p:sp>
+      <p:pic>
+        <p:nvPicPr>
+          <p:cNvPr id="6" name="图片 5"/>
+          <p:cNvPicPr>
+            <a:picLocks noChangeAspect="1"/>
+          </p:cNvPicPr>
+          <p:nvPr/>
+        </p:nvPicPr>
+        <p:blipFill>
+          <a:blip r:embed="rId1"/>
+          <a:stretch>
+            <a:fillRect/>
+          </a:stretch>
+        </p:blipFill>
+        <p:spPr>
+          <a:xfrm>
+            <a:off x="930910" y="742315"/>
+            <a:ext cx="8305800" cy="5194935"/>
+          </a:xfrm>
+          <a:prstGeom prst="rect">
+            <a:avLst/>
+          </a:prstGeom>
+        </p:spPr>
+      </p:pic>
+    </p:spTree>
+  </p:cSld>
+  <p:clrMapOvr>
+    <a:masterClrMapping/>
+  </p:clrMapOvr>
+</p:sld>
+</file>
+
+<file path=ppt/slides/slide5.xml><?xml version="1.0" encoding="utf-8"?>
+<p:sld xmlns:a="http://schemas.openxmlformats.org/drawingml/2006/main" xmlns:r="http://schemas.openxmlformats.org/officeDocument/2006/relationships" xmlns:p="http://schemas.openxmlformats.org/presentationml/2006/main">
+  <p:cSld>
+    <p:spTree>
+      <p:nvGrpSpPr>
+        <p:cNvPr id="1" name=""/>
+        <p:cNvGrpSpPr/>
+        <p:nvPr/>
+      </p:nvGrpSpPr>
+      <p:grpSpPr/>
+      <p:pic>
+        <p:nvPicPr>
+          <p:cNvPr id="4" name="图片 3"/>
+          <p:cNvPicPr>
+            <a:picLocks noChangeAspect="1"/>
+          </p:cNvPicPr>
+          <p:nvPr/>
+        </p:nvPicPr>
+        <p:blipFill>
+          <a:blip r:embed="rId1"/>
+          <a:stretch>
+            <a:fillRect/>
+          </a:stretch>
+        </p:blipFill>
+        <p:spPr>
+          <a:xfrm>
+            <a:off x="882015" y="829945"/>
+            <a:ext cx="7267575" cy="1181100"/>
+          </a:xfrm>
+          <a:prstGeom prst="rect">
+            <a:avLst/>
+          </a:prstGeom>
+        </p:spPr>
+      </p:pic>
+      <p:pic>
+        <p:nvPicPr>
+          <p:cNvPr id="6" name="图片 5"/>
+          <p:cNvPicPr>
+            <a:picLocks noChangeAspect="1"/>
+          </p:cNvPicPr>
+          <p:nvPr/>
+        </p:nvPicPr>
+        <p:blipFill>
+          <a:blip r:embed="rId2"/>
+          <a:stretch>
+            <a:fillRect/>
+          </a:stretch>
+        </p:blipFill>
+        <p:spPr>
+          <a:xfrm>
+            <a:off x="882015" y="2094230"/>
+            <a:ext cx="10953750" cy="4191000"/>
+          </a:xfrm>
+          <a:prstGeom prst="rect">
+            <a:avLst/>
+          </a:prstGeom>
+        </p:spPr>
+      </p:pic>
+    </p:spTree>
+  </p:cSld>
+  <p:clrMapOvr>
+    <a:masterClrMapping/>
+  </p:clrMapOvr>
+</p:sld>
+</file>
+
+<file path=ppt/slides/slide6.xml><?xml version="1.0" encoding="utf-8"?>
+<p:sld xmlns:a="http://schemas.openxmlformats.org/drawingml/2006/main" xmlns:r="http://schemas.openxmlformats.org/officeDocument/2006/relationships" xmlns:p="http://schemas.openxmlformats.org/presentationml/2006/main">
+  <p:cSld>
+    <p:spTree>
+      <p:nvGrpSpPr>
+        <p:cNvPr id="1" name=""/>
+        <p:cNvGrpSpPr/>
+        <p:nvPr/>
+      </p:nvGrpSpPr>
+      <p:grpSpPr/>
+      <p:pic>
+        <p:nvPicPr>
+          <p:cNvPr id="4" name="图片 3"/>
+          <p:cNvPicPr>
+            <a:picLocks noChangeAspect="1"/>
+          </p:cNvPicPr>
+          <p:nvPr/>
+        </p:nvPicPr>
+        <p:blipFill>
+          <a:blip r:embed="rId1"/>
+          <a:stretch>
+            <a:fillRect/>
+          </a:stretch>
+        </p:blipFill>
+        <p:spPr>
+          <a:xfrm>
+            <a:off x="667385" y="504825"/>
+            <a:ext cx="9989820" cy="5871210"/>
           </a:xfrm>
           <a:prstGeom prst="rect">
             <a:avLst/>

--- a/elk.pptx
+++ b/elk.pptx
@@ -11,6 +11,7 @@
     <p:sldId id="259" r:id="rId6"/>
     <p:sldId id="260" r:id="rId7"/>
     <p:sldId id="261" r:id="rId8"/>
+    <p:sldId id="262" r:id="rId9"/>
   </p:sldIdLst>
   <p:sldSz cx="12192000" cy="6858000"/>
   <p:notesSz cx="6858000" cy="9144000"/>
@@ -3194,7 +3195,7 @@
       </p:sp>
       <p:pic>
         <p:nvPicPr>
-          <p:cNvPr id="8" name="图片 7"/>
+          <p:cNvPr id="9" name="图片 8"/>
           <p:cNvPicPr>
             <a:picLocks noChangeAspect="1"/>
           </p:cNvPicPr>
@@ -3208,8 +3209,8 @@
         </p:blipFill>
         <p:spPr>
           <a:xfrm>
-            <a:off x="920750" y="1110615"/>
-            <a:ext cx="9525635" cy="5279390"/>
+            <a:off x="882650" y="871855"/>
+            <a:ext cx="8791575" cy="5979160"/>
           </a:xfrm>
           <a:prstGeom prst="rect">
             <a:avLst/>
@@ -3563,6 +3564,48 @@
           <a:xfrm>
             <a:off x="667385" y="504825"/>
             <a:ext cx="9989820" cy="5871210"/>
+          </a:xfrm>
+          <a:prstGeom prst="rect">
+            <a:avLst/>
+          </a:prstGeom>
+        </p:spPr>
+      </p:pic>
+    </p:spTree>
+  </p:cSld>
+  <p:clrMapOvr>
+    <a:masterClrMapping/>
+  </p:clrMapOvr>
+</p:sld>
+</file>
+
+<file path=ppt/slides/slide7.xml><?xml version="1.0" encoding="utf-8"?>
+<p:sld xmlns:a="http://schemas.openxmlformats.org/drawingml/2006/main" xmlns:r="http://schemas.openxmlformats.org/officeDocument/2006/relationships" xmlns:p="http://schemas.openxmlformats.org/presentationml/2006/main">
+  <p:cSld>
+    <p:spTree>
+      <p:nvGrpSpPr>
+        <p:cNvPr id="1" name=""/>
+        <p:cNvGrpSpPr/>
+        <p:nvPr/>
+      </p:nvGrpSpPr>
+      <p:grpSpPr/>
+      <p:pic>
+        <p:nvPicPr>
+          <p:cNvPr id="4" name="图片 3"/>
+          <p:cNvPicPr>
+            <a:picLocks noChangeAspect="1"/>
+          </p:cNvPicPr>
+          <p:nvPr/>
+        </p:nvPicPr>
+        <p:blipFill>
+          <a:blip r:embed="rId1"/>
+          <a:stretch>
+            <a:fillRect/>
+          </a:stretch>
+        </p:blipFill>
+        <p:spPr>
+          <a:xfrm>
+            <a:off x="309880" y="426720"/>
+            <a:ext cx="11351260" cy="5645150"/>
           </a:xfrm>
           <a:prstGeom prst="rect">
             <a:avLst/>

--- a/elk.pptx
+++ b/elk.pptx
@@ -9,9 +9,12 @@
     <p:sldId id="257" r:id="rId4"/>
     <p:sldId id="258" r:id="rId5"/>
     <p:sldId id="259" r:id="rId6"/>
-    <p:sldId id="260" r:id="rId7"/>
-    <p:sldId id="261" r:id="rId8"/>
-    <p:sldId id="262" r:id="rId9"/>
+    <p:sldId id="264" r:id="rId7"/>
+    <p:sldId id="263" r:id="rId8"/>
+    <p:sldId id="265" r:id="rId9"/>
+    <p:sldId id="260" r:id="rId10"/>
+    <p:sldId id="261" r:id="rId11"/>
+    <p:sldId id="262" r:id="rId12"/>
   </p:sldIdLst>
   <p:sldSz cx="12192000" cy="6858000"/>
   <p:notesSz cx="6858000" cy="9144000"/>
@@ -3024,6 +3027,48 @@
 </p:sld>
 </file>
 
+<file path=ppt/slides/slide10.xml><?xml version="1.0" encoding="utf-8"?>
+<p:sld xmlns:a="http://schemas.openxmlformats.org/drawingml/2006/main" xmlns:r="http://schemas.openxmlformats.org/officeDocument/2006/relationships" xmlns:p="http://schemas.openxmlformats.org/presentationml/2006/main">
+  <p:cSld>
+    <p:spTree>
+      <p:nvGrpSpPr>
+        <p:cNvPr id="1" name=""/>
+        <p:cNvGrpSpPr/>
+        <p:nvPr/>
+      </p:nvGrpSpPr>
+      <p:grpSpPr/>
+      <p:pic>
+        <p:nvPicPr>
+          <p:cNvPr id="4" name="图片 3"/>
+          <p:cNvPicPr>
+            <a:picLocks noChangeAspect="1"/>
+          </p:cNvPicPr>
+          <p:nvPr/>
+        </p:nvPicPr>
+        <p:blipFill>
+          <a:blip r:embed="rId1"/>
+          <a:stretch>
+            <a:fillRect/>
+          </a:stretch>
+        </p:blipFill>
+        <p:spPr>
+          <a:xfrm>
+            <a:off x="309880" y="426720"/>
+            <a:ext cx="11351260" cy="5645150"/>
+          </a:xfrm>
+          <a:prstGeom prst="rect">
+            <a:avLst/>
+          </a:prstGeom>
+        </p:spPr>
+      </p:pic>
+    </p:spTree>
+  </p:cSld>
+  <p:clrMapOvr>
+    <a:masterClrMapping/>
+  </p:clrMapOvr>
+</p:sld>
+</file>
+
 <file path=ppt/slides/slide2.xml><?xml version="1.0" encoding="utf-8"?>
 <p:sld xmlns:a="http://schemas.openxmlformats.org/drawingml/2006/main" xmlns:r="http://schemas.openxmlformats.org/officeDocument/2006/relationships" xmlns:p="http://schemas.openxmlformats.org/presentationml/2006/main">
   <p:cSld>
@@ -3496,6 +3541,328 @@
         </p:blipFill>
         <p:spPr>
           <a:xfrm>
+            <a:off x="1198880" y="1821815"/>
+            <a:ext cx="9794240" cy="5033010"/>
+          </a:xfrm>
+          <a:prstGeom prst="rect">
+            <a:avLst/>
+          </a:prstGeom>
+        </p:spPr>
+      </p:pic>
+      <p:sp>
+        <p:nvSpPr>
+          <p:cNvPr id="5" name="文本框 4"/>
+          <p:cNvSpPr txBox="1"/>
+          <p:nvPr/>
+        </p:nvSpPr>
+        <p:spPr>
+          <a:xfrm>
+            <a:off x="1198880" y="485775"/>
+            <a:ext cx="9712325" cy="368300"/>
+          </a:xfrm>
+          <a:prstGeom prst="rect">
+            <a:avLst/>
+          </a:prstGeom>
+          <a:noFill/>
+        </p:spPr>
+        <p:txBody>
+          <a:bodyPr wrap="square" rtlCol="0" anchor="t">
+            <a:spAutoFit/>
+          </a:bodyPr>
+          <a:p>
+            <a:r>
+              <a:rPr lang="en-US" altLang="zh-CN"/>
+              <a:t>logstash</a:t>
+            </a:r>
+            <a:r>
+              <a:rPr lang="zh-CN" altLang="en-US"/>
+              <a:t>需要一个配置文件管理输入、过滤器和输出相关的配置。配置文件内容格式如下：</a:t>
+            </a:r>
+            <a:endParaRPr lang="zh-CN" altLang="en-US"/>
+          </a:p>
+        </p:txBody>
+      </p:sp>
+    </p:spTree>
+  </p:cSld>
+  <p:clrMapOvr>
+    <a:masterClrMapping/>
+  </p:clrMapOvr>
+</p:sld>
+</file>
+
+<file path=ppt/slides/slide6.xml><?xml version="1.0" encoding="utf-8"?>
+<p:sld xmlns:a="http://schemas.openxmlformats.org/drawingml/2006/main" xmlns:r="http://schemas.openxmlformats.org/officeDocument/2006/relationships" xmlns:p="http://schemas.openxmlformats.org/presentationml/2006/main">
+  <p:cSld>
+    <p:spTree>
+      <p:nvGrpSpPr>
+        <p:cNvPr id="1" name=""/>
+        <p:cNvGrpSpPr/>
+        <p:nvPr/>
+      </p:nvGrpSpPr>
+      <p:grpSpPr/>
+      <p:pic>
+        <p:nvPicPr>
+          <p:cNvPr id="4" name="图片 3"/>
+          <p:cNvPicPr>
+            <a:picLocks noChangeAspect="1"/>
+          </p:cNvPicPr>
+          <p:nvPr/>
+        </p:nvPicPr>
+        <p:blipFill>
+          <a:blip r:embed="rId1"/>
+          <a:stretch>
+            <a:fillRect/>
+          </a:stretch>
+        </p:blipFill>
+        <p:spPr>
+          <a:xfrm>
+            <a:off x="1174115" y="164465"/>
+            <a:ext cx="9843135" cy="6528435"/>
+          </a:xfrm>
+          <a:prstGeom prst="rect">
+            <a:avLst/>
+          </a:prstGeom>
+        </p:spPr>
+      </p:pic>
+    </p:spTree>
+  </p:cSld>
+  <p:clrMapOvr>
+    <a:masterClrMapping/>
+  </p:clrMapOvr>
+</p:sld>
+</file>
+
+<file path=ppt/slides/slide7.xml><?xml version="1.0" encoding="utf-8"?>
+<p:sld xmlns:a="http://schemas.openxmlformats.org/drawingml/2006/main" xmlns:r="http://schemas.openxmlformats.org/officeDocument/2006/relationships" xmlns:p="http://schemas.openxmlformats.org/presentationml/2006/main">
+  <p:cSld>
+    <p:spTree>
+      <p:nvGrpSpPr>
+        <p:cNvPr id="1" name=""/>
+        <p:cNvGrpSpPr/>
+        <p:nvPr/>
+      </p:nvGrpSpPr>
+      <p:grpSpPr/>
+      <p:sp>
+        <p:nvSpPr>
+          <p:cNvPr id="4" name="文本框 3"/>
+          <p:cNvSpPr txBox="1"/>
+          <p:nvPr/>
+        </p:nvSpPr>
+        <p:spPr>
+          <a:xfrm>
+            <a:off x="1316990" y="225425"/>
+            <a:ext cx="7586345" cy="6185535"/>
+          </a:xfrm>
+          <a:prstGeom prst="rect">
+            <a:avLst/>
+          </a:prstGeom>
+          <a:noFill/>
+        </p:spPr>
+        <p:txBody>
+          <a:bodyPr wrap="square" rtlCol="0" anchor="t">
+            <a:spAutoFit/>
+          </a:bodyPr>
+          <a:p>
+            <a:r>
+              <a:rPr lang="zh-CN" altLang="en-US"/>
+              <a:t>input {</a:t>
+            </a:r>
+            <a:endParaRPr lang="zh-CN" altLang="en-US"/>
+          </a:p>
+          <a:p>
+            <a:r>
+              <a:rPr lang="zh-CN" altLang="en-US"/>
+              <a:t>    redis {</a:t>
+            </a:r>
+            <a:endParaRPr lang="zh-CN" altLang="en-US"/>
+          </a:p>
+          <a:p>
+            <a:r>
+              <a:rPr lang="zh-CN" altLang="en-US"/>
+              <a:t>        data_type =&gt; "list"</a:t>
+            </a:r>
+            <a:endParaRPr lang="zh-CN" altLang="en-US"/>
+          </a:p>
+          <a:p>
+            <a:r>
+              <a:rPr lang="zh-CN" altLang="en-US"/>
+              <a:t>        host =&gt; "192.168.</a:t>
+            </a:r>
+            <a:r>
+              <a:rPr lang="en-US" altLang="zh-CN"/>
+              <a:t>10</a:t>
+            </a:r>
+            <a:r>
+              <a:rPr lang="zh-CN" altLang="en-US"/>
+              <a:t>.</a:t>
+            </a:r>
+            <a:r>
+              <a:rPr lang="en-US" altLang="zh-CN"/>
+              <a:t>33</a:t>
+            </a:r>
+            <a:r>
+              <a:rPr lang="zh-CN" altLang="en-US"/>
+              <a:t>"</a:t>
+            </a:r>
+            <a:endParaRPr lang="zh-CN" altLang="en-US"/>
+          </a:p>
+          <a:p>
+            <a:r>
+              <a:rPr lang="zh-CN" altLang="en-US"/>
+              <a:t>        db =&gt; "1"</a:t>
+            </a:r>
+            <a:endParaRPr lang="zh-CN" altLang="en-US"/>
+          </a:p>
+          <a:p>
+            <a:r>
+              <a:rPr lang="zh-CN" altLang="en-US"/>
+              <a:t>        port =&gt; "6379"</a:t>
+            </a:r>
+            <a:endParaRPr lang="zh-CN" altLang="en-US"/>
+          </a:p>
+          <a:p>
+            <a:r>
+              <a:rPr lang="zh-CN" altLang="en-US"/>
+              <a:t>        key =&gt; "systemlog"</a:t>
+            </a:r>
+            <a:endParaRPr lang="zh-CN" altLang="en-US"/>
+          </a:p>
+          <a:p>
+            <a:r>
+              <a:rPr lang="zh-CN" altLang="en-US"/>
+              <a:t>        password =&gt; "123456"</a:t>
+            </a:r>
+            <a:endParaRPr lang="zh-CN" altLang="en-US"/>
+          </a:p>
+          <a:p>
+            <a:r>
+              <a:rPr lang="zh-CN" altLang="en-US"/>
+              <a:t>    }</a:t>
+            </a:r>
+            <a:endParaRPr lang="zh-CN" altLang="en-US"/>
+          </a:p>
+          <a:p>
+            <a:r>
+              <a:rPr lang="zh-CN" altLang="en-US"/>
+              <a:t>}</a:t>
+            </a:r>
+            <a:endParaRPr lang="zh-CN" altLang="en-US"/>
+          </a:p>
+          <a:p>
+            <a:endParaRPr lang="zh-CN" altLang="en-US"/>
+          </a:p>
+          <a:p>
+            <a:r>
+              <a:rPr lang="zh-CN" altLang="en-US"/>
+              <a:t>output {</a:t>
+            </a:r>
+            <a:endParaRPr lang="zh-CN" altLang="en-US"/>
+          </a:p>
+          <a:p>
+            <a:r>
+              <a:rPr lang="zh-CN" altLang="en-US"/>
+              <a:t>    elasticsearch {</a:t>
+            </a:r>
+            <a:endParaRPr lang="zh-CN" altLang="en-US"/>
+          </a:p>
+          <a:p>
+            <a:r>
+              <a:rPr lang="zh-CN" altLang="en-US"/>
+              <a:t>        hosts =&gt; ["192.168.</a:t>
+            </a:r>
+            <a:r>
+              <a:rPr lang="en-US" altLang="zh-CN"/>
+              <a:t>10.33</a:t>
+            </a:r>
+            <a:r>
+              <a:rPr lang="zh-CN" altLang="en-US"/>
+              <a:t>:9200"]</a:t>
+            </a:r>
+            <a:endParaRPr lang="zh-CN" altLang="en-US"/>
+          </a:p>
+          <a:p>
+            <a:r>
+              <a:rPr lang="zh-CN" altLang="en-US"/>
+              <a:t>        index =&gt; "redis-systemlog-%{+YYYY.MM.dd}"</a:t>
+            </a:r>
+            <a:endParaRPr lang="zh-CN" altLang="en-US"/>
+          </a:p>
+          <a:p>
+            <a:r>
+              <a:rPr lang="zh-CN" altLang="en-US"/>
+              <a:t>    }</a:t>
+            </a:r>
+            <a:endParaRPr lang="zh-CN" altLang="en-US"/>
+          </a:p>
+          <a:p>
+            <a:r>
+              <a:rPr lang="zh-CN" altLang="en-US"/>
+              <a:t>}</a:t>
+            </a:r>
+            <a:endParaRPr lang="zh-CN" altLang="en-US"/>
+          </a:p>
+          <a:p>
+            <a:endParaRPr lang="zh-CN" altLang="en-US"/>
+          </a:p>
+          <a:p>
+            <a:endParaRPr lang="zh-CN" altLang="en-US"/>
+          </a:p>
+          <a:p>
+            <a:endParaRPr lang="zh-CN" altLang="en-US"/>
+          </a:p>
+          <a:p>
+            <a:r>
+              <a:t>/usr/local/logstash-6</a:t>
+            </a:r>
+            <a:r>
+              <a:rPr lang="zh-CN" altLang="en-US"/>
+              <a:t>/bin/logstash -f </a:t>
+            </a:r>
+            <a:r>
+              <a:t>/usr/local/logstash-6</a:t>
+            </a:r>
+            <a:r>
+              <a:rPr lang="zh-CN" altLang="en-US"/>
+              <a:t>/conf.d/redis-es.conf -t</a:t>
+            </a:r>
+            <a:endParaRPr lang="zh-CN" altLang="en-US"/>
+          </a:p>
+        </p:txBody>
+      </p:sp>
+    </p:spTree>
+  </p:cSld>
+  <p:clrMapOvr>
+    <a:masterClrMapping/>
+  </p:clrMapOvr>
+</p:sld>
+</file>
+
+<file path=ppt/slides/slide8.xml><?xml version="1.0" encoding="utf-8"?>
+<p:sld xmlns:a="http://schemas.openxmlformats.org/drawingml/2006/main" xmlns:r="http://schemas.openxmlformats.org/officeDocument/2006/relationships" xmlns:p="http://schemas.openxmlformats.org/presentationml/2006/main">
+  <p:cSld>
+    <p:spTree>
+      <p:nvGrpSpPr>
+        <p:cNvPr id="1" name=""/>
+        <p:cNvGrpSpPr/>
+        <p:nvPr/>
+      </p:nvGrpSpPr>
+      <p:grpSpPr/>
+      <p:pic>
+        <p:nvPicPr>
+          <p:cNvPr id="4" name="图片 3"/>
+          <p:cNvPicPr>
+            <a:picLocks noChangeAspect="1"/>
+          </p:cNvPicPr>
+          <p:nvPr/>
+        </p:nvPicPr>
+        <p:blipFill>
+          <a:blip r:embed="rId1"/>
+          <a:stretch>
+            <a:fillRect/>
+          </a:stretch>
+        </p:blipFill>
+        <p:spPr>
+          <a:xfrm>
             <a:off x="882015" y="829945"/>
             <a:ext cx="7267575" cy="1181100"/>
           </a:xfrm>
@@ -3536,7 +3903,7 @@
 </p:sld>
 </file>
 
-<file path=ppt/slides/slide6.xml><?xml version="1.0" encoding="utf-8"?>
+<file path=ppt/slides/slide9.xml><?xml version="1.0" encoding="utf-8"?>
 <p:sld xmlns:a="http://schemas.openxmlformats.org/drawingml/2006/main" xmlns:r="http://schemas.openxmlformats.org/officeDocument/2006/relationships" xmlns:p="http://schemas.openxmlformats.org/presentationml/2006/main">
   <p:cSld>
     <p:spTree>
@@ -3564,48 +3931,6 @@
           <a:xfrm>
             <a:off x="667385" y="504825"/>
             <a:ext cx="9989820" cy="5871210"/>
-          </a:xfrm>
-          <a:prstGeom prst="rect">
-            <a:avLst/>
-          </a:prstGeom>
-        </p:spPr>
-      </p:pic>
-    </p:spTree>
-  </p:cSld>
-  <p:clrMapOvr>
-    <a:masterClrMapping/>
-  </p:clrMapOvr>
-</p:sld>
-</file>
-
-<file path=ppt/slides/slide7.xml><?xml version="1.0" encoding="utf-8"?>
-<p:sld xmlns:a="http://schemas.openxmlformats.org/drawingml/2006/main" xmlns:r="http://schemas.openxmlformats.org/officeDocument/2006/relationships" xmlns:p="http://schemas.openxmlformats.org/presentationml/2006/main">
-  <p:cSld>
-    <p:spTree>
-      <p:nvGrpSpPr>
-        <p:cNvPr id="1" name=""/>
-        <p:cNvGrpSpPr/>
-        <p:nvPr/>
-      </p:nvGrpSpPr>
-      <p:grpSpPr/>
-      <p:pic>
-        <p:nvPicPr>
-          <p:cNvPr id="4" name="图片 3"/>
-          <p:cNvPicPr>
-            <a:picLocks noChangeAspect="1"/>
-          </p:cNvPicPr>
-          <p:nvPr/>
-        </p:nvPicPr>
-        <p:blipFill>
-          <a:blip r:embed="rId1"/>
-          <a:stretch>
-            <a:fillRect/>
-          </a:stretch>
-        </p:blipFill>
-        <p:spPr>
-          <a:xfrm>
-            <a:off x="309880" y="426720"/>
-            <a:ext cx="11351260" cy="5645150"/>
           </a:xfrm>
           <a:prstGeom prst="rect">
             <a:avLst/>

--- a/elk.pptx
+++ b/elk.pptx
@@ -3240,7 +3240,7 @@
       </p:sp>
       <p:pic>
         <p:nvPicPr>
-          <p:cNvPr id="9" name="图片 8"/>
+          <p:cNvPr id="2" name="图片 1"/>
           <p:cNvPicPr>
             <a:picLocks noChangeAspect="1"/>
           </p:cNvPicPr>
@@ -3254,8 +3254,8 @@
         </p:blipFill>
         <p:spPr>
           <a:xfrm>
-            <a:off x="882650" y="871855"/>
-            <a:ext cx="8791575" cy="5979160"/>
+            <a:off x="399415" y="6985"/>
+            <a:ext cx="8688070" cy="6724015"/>
           </a:xfrm>
           <a:prstGeom prst="rect">
             <a:avLst/>
@@ -3485,7 +3485,7 @@
       </p:sp>
       <p:pic>
         <p:nvPicPr>
-          <p:cNvPr id="6" name="图片 5"/>
+          <p:cNvPr id="2" name="图片 1"/>
           <p:cNvPicPr>
             <a:picLocks noChangeAspect="1"/>
           </p:cNvPicPr>
@@ -3499,8 +3499,8 @@
         </p:blipFill>
         <p:spPr>
           <a:xfrm>
-            <a:off x="930910" y="742315"/>
-            <a:ext cx="8305800" cy="5194935"/>
+            <a:off x="1218565" y="698500"/>
+            <a:ext cx="9754235" cy="5461000"/>
           </a:xfrm>
           <a:prstGeom prst="rect">
             <a:avLst/>
@@ -3823,7 +3823,15 @@
             </a:r>
             <a:r>
               <a:rPr lang="zh-CN" altLang="en-US"/>
-              <a:t>/conf.d/redis-es.conf -t</a:t>
+              <a:t>/con</a:t>
+            </a:r>
+            <a:r>
+              <a:rPr lang="en-US" altLang="zh-CN"/>
+              <a:t>fig</a:t>
+            </a:r>
+            <a:r>
+              <a:rPr lang="zh-CN" altLang="en-US"/>
+              <a:t>/redis-es.conf</a:t>
             </a:r>
             <a:endParaRPr lang="zh-CN" altLang="en-US"/>
           </a:p>
